--- a/Calendario2024/presentaciones/9_Archivos.pptx
+++ b/Calendario2024/presentaciones/9_Archivos.pptx
@@ -231,7 +231,7 @@
           <a:p>
             <a:fld id="{59C7E2AA-6A4C-4042-9554-ED2A913B287A}" type="datetimeFigureOut">
               <a:rPr lang="es-MX" smtClean="0"/>
-              <a:t>18/08/2022</a:t>
+              <a:t>21/02/2024</a:t>
             </a:fld>
             <a:endParaRPr lang="es-MX" dirty="0"/>
           </a:p>
@@ -390,7 +390,7 @@
           <a:p>
             <a:fld id="{696058A4-74A4-4E49-9DDB-7D0AF71A622B}" type="slidenum">
               <a:rPr lang="es-MX" smtClean="0"/>
-              <a:t>‹Nº›</a:t>
+              <a:t>‹#›</a:t>
             </a:fld>
             <a:endParaRPr lang="es-MX" dirty="0"/>
           </a:p>
@@ -3352,7 +3352,7 @@
           <a:p>
             <a:fld id="{BAE3B62E-9D6B-4C41-BFE5-D19C53A0513B}" type="datetimeFigureOut">
               <a:rPr lang="es-MX" smtClean="0"/>
-              <a:t>18/08/2022</a:t>
+              <a:t>21/02/2024</a:t>
             </a:fld>
             <a:endParaRPr lang="es-MX" dirty="0"/>
           </a:p>
@@ -3394,7 +3394,7 @@
           <a:p>
             <a:fld id="{92823904-E0C3-4D45-A85E-A4B4FAD16498}" type="slidenum">
               <a:rPr lang="es-MX" smtClean="0"/>
-              <a:t>‹Nº›</a:t>
+              <a:t>‹#›</a:t>
             </a:fld>
             <a:endParaRPr lang="es-MX" dirty="0"/>
           </a:p>
@@ -3522,7 +3522,7 @@
           <a:p>
             <a:fld id="{BAE3B62E-9D6B-4C41-BFE5-D19C53A0513B}" type="datetimeFigureOut">
               <a:rPr lang="es-MX" smtClean="0"/>
-              <a:t>18/08/2022</a:t>
+              <a:t>21/02/2024</a:t>
             </a:fld>
             <a:endParaRPr lang="es-MX" dirty="0"/>
           </a:p>
@@ -3564,7 +3564,7 @@
           <a:p>
             <a:fld id="{92823904-E0C3-4D45-A85E-A4B4FAD16498}" type="slidenum">
               <a:rPr lang="es-MX" smtClean="0"/>
-              <a:t>‹Nº›</a:t>
+              <a:t>‹#›</a:t>
             </a:fld>
             <a:endParaRPr lang="es-MX" dirty="0"/>
           </a:p>
@@ -3702,7 +3702,7 @@
           <a:p>
             <a:fld id="{BAE3B62E-9D6B-4C41-BFE5-D19C53A0513B}" type="datetimeFigureOut">
               <a:rPr lang="es-MX" smtClean="0"/>
-              <a:t>18/08/2022</a:t>
+              <a:t>21/02/2024</a:t>
             </a:fld>
             <a:endParaRPr lang="es-MX" dirty="0"/>
           </a:p>
@@ -3744,7 +3744,7 @@
           <a:p>
             <a:fld id="{92823904-E0C3-4D45-A85E-A4B4FAD16498}" type="slidenum">
               <a:rPr lang="es-MX" smtClean="0"/>
-              <a:t>‹Nº›</a:t>
+              <a:t>‹#›</a:t>
             </a:fld>
             <a:endParaRPr lang="es-MX" dirty="0"/>
           </a:p>
@@ -3855,7 +3855,7 @@
           <a:p>
             <a:fld id="{1D8BD707-D9CF-40AE-B4C6-C98DA3205C09}" type="datetimeFigureOut">
               <a:rPr lang="en-US" smtClean="0"/>
-              <a:t>8/18/2022</a:t>
+              <a:t>2/21/2024</a:t>
             </a:fld>
             <a:endParaRPr lang="en-US"/>
           </a:p>
@@ -3885,7 +3885,7 @@
                 <a:cs typeface="Calibri"/>
               </a:rPr>
               <a:pPr marL="25400"/>
-              <a:t>‹Nº›</a:t>
+              <a:t>‹#›</a:t>
             </a:fld>
             <a:endParaRPr lang="es-MX">
               <a:cs typeface="Calibri"/>
@@ -4015,7 +4015,7 @@
           <a:p>
             <a:fld id="{BAE3B62E-9D6B-4C41-BFE5-D19C53A0513B}" type="datetimeFigureOut">
               <a:rPr lang="es-MX" smtClean="0"/>
-              <a:t>18/08/2022</a:t>
+              <a:t>21/02/2024</a:t>
             </a:fld>
             <a:endParaRPr lang="es-MX" dirty="0"/>
           </a:p>
@@ -4057,7 +4057,7 @@
           <a:p>
             <a:fld id="{92823904-E0C3-4D45-A85E-A4B4FAD16498}" type="slidenum">
               <a:rPr lang="es-MX" smtClean="0"/>
-              <a:t>‹Nº›</a:t>
+              <a:t>‹#›</a:t>
             </a:fld>
             <a:endParaRPr lang="es-MX" dirty="0"/>
           </a:p>
@@ -4261,7 +4261,7 @@
           <a:p>
             <a:fld id="{BAE3B62E-9D6B-4C41-BFE5-D19C53A0513B}" type="datetimeFigureOut">
               <a:rPr lang="es-MX" smtClean="0"/>
-              <a:t>18/08/2022</a:t>
+              <a:t>21/02/2024</a:t>
             </a:fld>
             <a:endParaRPr lang="es-MX" dirty="0"/>
           </a:p>
@@ -4303,7 +4303,7 @@
           <a:p>
             <a:fld id="{92823904-E0C3-4D45-A85E-A4B4FAD16498}" type="slidenum">
               <a:rPr lang="es-MX" smtClean="0"/>
-              <a:t>‹Nº›</a:t>
+              <a:t>‹#›</a:t>
             </a:fld>
             <a:endParaRPr lang="es-MX" dirty="0"/>
           </a:p>
@@ -4549,7 +4549,7 @@
           <a:p>
             <a:fld id="{BAE3B62E-9D6B-4C41-BFE5-D19C53A0513B}" type="datetimeFigureOut">
               <a:rPr lang="es-MX" smtClean="0"/>
-              <a:t>18/08/2022</a:t>
+              <a:t>21/02/2024</a:t>
             </a:fld>
             <a:endParaRPr lang="es-MX" dirty="0"/>
           </a:p>
@@ -4591,7 +4591,7 @@
           <a:p>
             <a:fld id="{92823904-E0C3-4D45-A85E-A4B4FAD16498}" type="slidenum">
               <a:rPr lang="es-MX" smtClean="0"/>
-              <a:t>‹Nº›</a:t>
+              <a:t>‹#›</a:t>
             </a:fld>
             <a:endParaRPr lang="es-MX" dirty="0"/>
           </a:p>
@@ -4971,7 +4971,7 @@
           <a:p>
             <a:fld id="{BAE3B62E-9D6B-4C41-BFE5-D19C53A0513B}" type="datetimeFigureOut">
               <a:rPr lang="es-MX" smtClean="0"/>
-              <a:t>18/08/2022</a:t>
+              <a:t>21/02/2024</a:t>
             </a:fld>
             <a:endParaRPr lang="es-MX" dirty="0"/>
           </a:p>
@@ -5013,7 +5013,7 @@
           <a:p>
             <a:fld id="{92823904-E0C3-4D45-A85E-A4B4FAD16498}" type="slidenum">
               <a:rPr lang="es-MX" smtClean="0"/>
-              <a:t>‹Nº›</a:t>
+              <a:t>‹#›</a:t>
             </a:fld>
             <a:endParaRPr lang="es-MX" dirty="0"/>
           </a:p>
@@ -5089,7 +5089,7 @@
           <a:p>
             <a:fld id="{BAE3B62E-9D6B-4C41-BFE5-D19C53A0513B}" type="datetimeFigureOut">
               <a:rPr lang="es-MX" smtClean="0"/>
-              <a:t>18/08/2022</a:t>
+              <a:t>21/02/2024</a:t>
             </a:fld>
             <a:endParaRPr lang="es-MX" dirty="0"/>
           </a:p>
@@ -5131,7 +5131,7 @@
           <a:p>
             <a:fld id="{92823904-E0C3-4D45-A85E-A4B4FAD16498}" type="slidenum">
               <a:rPr lang="es-MX" smtClean="0"/>
-              <a:t>‹Nº›</a:t>
+              <a:t>‹#›</a:t>
             </a:fld>
             <a:endParaRPr lang="es-MX" dirty="0"/>
           </a:p>
@@ -5184,7 +5184,7 @@
           <a:p>
             <a:fld id="{BAE3B62E-9D6B-4C41-BFE5-D19C53A0513B}" type="datetimeFigureOut">
               <a:rPr lang="es-MX" smtClean="0"/>
-              <a:t>18/08/2022</a:t>
+              <a:t>21/02/2024</a:t>
             </a:fld>
             <a:endParaRPr lang="es-MX" dirty="0"/>
           </a:p>
@@ -5226,7 +5226,7 @@
           <a:p>
             <a:fld id="{92823904-E0C3-4D45-A85E-A4B4FAD16498}" type="slidenum">
               <a:rPr lang="es-MX" smtClean="0"/>
-              <a:t>‹Nº›</a:t>
+              <a:t>‹#›</a:t>
             </a:fld>
             <a:endParaRPr lang="es-MX" dirty="0"/>
           </a:p>
@@ -5461,7 +5461,7 @@
           <a:p>
             <a:fld id="{BAE3B62E-9D6B-4C41-BFE5-D19C53A0513B}" type="datetimeFigureOut">
               <a:rPr lang="es-MX" smtClean="0"/>
-              <a:t>18/08/2022</a:t>
+              <a:t>21/02/2024</a:t>
             </a:fld>
             <a:endParaRPr lang="es-MX" dirty="0"/>
           </a:p>
@@ -5503,7 +5503,7 @@
           <a:p>
             <a:fld id="{92823904-E0C3-4D45-A85E-A4B4FAD16498}" type="slidenum">
               <a:rPr lang="es-MX" smtClean="0"/>
-              <a:t>‹Nº›</a:t>
+              <a:t>‹#›</a:t>
             </a:fld>
             <a:endParaRPr lang="es-MX" dirty="0"/>
           </a:p>
@@ -5714,7 +5714,7 @@
           <a:p>
             <a:fld id="{BAE3B62E-9D6B-4C41-BFE5-D19C53A0513B}" type="datetimeFigureOut">
               <a:rPr lang="es-MX" smtClean="0"/>
-              <a:t>18/08/2022</a:t>
+              <a:t>21/02/2024</a:t>
             </a:fld>
             <a:endParaRPr lang="es-MX" dirty="0"/>
           </a:p>
@@ -5756,7 +5756,7 @@
           <a:p>
             <a:fld id="{92823904-E0C3-4D45-A85E-A4B4FAD16498}" type="slidenum">
               <a:rPr lang="es-MX" smtClean="0"/>
-              <a:t>‹Nº›</a:t>
+              <a:t>‹#›</a:t>
             </a:fld>
             <a:endParaRPr lang="es-MX" dirty="0"/>
           </a:p>
@@ -5927,7 +5927,7 @@
           <a:p>
             <a:fld id="{BAE3B62E-9D6B-4C41-BFE5-D19C53A0513B}" type="datetimeFigureOut">
               <a:rPr lang="es-MX" smtClean="0"/>
-              <a:t>18/08/2022</a:t>
+              <a:t>21/02/2024</a:t>
             </a:fld>
             <a:endParaRPr lang="es-MX" dirty="0"/>
           </a:p>
@@ -6005,7 +6005,7 @@
           <a:p>
             <a:fld id="{92823904-E0C3-4D45-A85E-A4B4FAD16498}" type="slidenum">
               <a:rPr lang="es-MX" smtClean="0"/>
-              <a:t>‹Nº›</a:t>
+              <a:t>‹#›</a:t>
             </a:fld>
             <a:endParaRPr lang="es-MX" dirty="0"/>
           </a:p>
